--- a/07/00__DATA515_07_VirtualEnvironments.pptx
+++ b/07/00__DATA515_07_VirtualEnvironments.pptx
@@ -9248,8 +9248,28 @@
               <a:buChar char="○"/>
             </a:pPr>
             <a:r>
+              <a:rPr lang="en-US" sz="1900" dirty="0"/>
+              <a:t>u</a:t>
+            </a:r>
+            <a:r>
               <a:rPr lang="en" sz="1900" dirty="0"/>
-              <a:t>virtualenv</a:t>
+              <a:t>v</a:t>
+            </a:r>
+          </a:p>
+          <a:p>
+            <a:pPr marL="914400" lvl="1" indent="-349250" algn="l" rtl="0">
+              <a:spcBef>
+                <a:spcPts val="0"/>
+              </a:spcBef>
+              <a:spcAft>
+                <a:spcPts val="0"/>
+              </a:spcAft>
+              <a:buSzPts val="1900"/>
+              <a:buChar char="○"/>
+            </a:pPr>
+            <a:r>
+              <a:rPr lang="en" sz="1900" dirty="0"/>
+              <a:t>poetry</a:t>
             </a:r>
             <a:endParaRPr sz="1900" dirty="0"/>
           </a:p>
@@ -9280,7 +9300,7 @@
         </p:nvSpPr>
         <p:spPr>
           <a:xfrm>
-            <a:off x="1199625" y="4210900"/>
+            <a:off x="1199625" y="4535574"/>
             <a:ext cx="954900" cy="293700"/>
           </a:xfrm>
           <a:prstGeom prst="roundRect">
@@ -9845,6 +9865,67 @@
                                           </p:stCondLst>
                                         </p:cTn>
                                         <p:tgtEl>
+                                          <p:spTgt spid="135">
+                                            <p:txEl>
+                                              <p:pRg st="8" end="8"/>
+                                            </p:txEl>
+                                          </p:spTgt>
+                                        </p:tgtEl>
+                                        <p:attrNameLst>
+                                          <p:attrName>style.visibility</p:attrName>
+                                        </p:attrNameLst>
+                                      </p:cBhvr>
+                                      <p:to>
+                                        <p:strVal val="visible"/>
+                                      </p:to>
+                                    </p:set>
+                                    <p:animEffect transition="in" filter="fade">
+                                      <p:cBhvr>
+                                        <p:cTn id="47" dur="1"/>
+                                        <p:tgtEl>
+                                          <p:spTgt spid="135">
+                                            <p:txEl>
+                                              <p:pRg st="8" end="8"/>
+                                            </p:txEl>
+                                          </p:spTgt>
+                                        </p:tgtEl>
+                                      </p:cBhvr>
+                                    </p:animEffect>
+                                  </p:childTnLst>
+                                </p:cTn>
+                              </p:par>
+                            </p:childTnLst>
+                          </p:cTn>
+                        </p:par>
+                      </p:childTnLst>
+                    </p:cTn>
+                  </p:par>
+                  <p:par>
+                    <p:cTn id="48" fill="hold">
+                      <p:stCondLst>
+                        <p:cond delay="indefinite"/>
+                      </p:stCondLst>
+                      <p:childTnLst>
+                        <p:par>
+                          <p:cTn id="49" fill="hold">
+                            <p:stCondLst>
+                              <p:cond delay="0"/>
+                            </p:stCondLst>
+                            <p:childTnLst>
+                              <p:par>
+                                <p:cTn id="50" presetID="10" presetClass="entr" presetSubtype="0" fill="hold" nodeType="clickEffect">
+                                  <p:stCondLst>
+                                    <p:cond delay="0"/>
+                                  </p:stCondLst>
+                                  <p:childTnLst>
+                                    <p:set>
+                                      <p:cBhvr>
+                                        <p:cTn id="51" dur="1" fill="hold">
+                                          <p:stCondLst>
+                                            <p:cond delay="0"/>
+                                          </p:stCondLst>
+                                        </p:cTn>
+                                        <p:tgtEl>
                                           <p:spTgt spid="136"/>
                                         </p:tgtEl>
                                         <p:attrNameLst>
@@ -9857,7 +9938,7 @@
                                     </p:set>
                                     <p:animEffect transition="in" filter="fade">
                                       <p:cBhvr>
-                                        <p:cTn id="47" dur="1"/>
+                                        <p:cTn id="52" dur="1"/>
                                         <p:tgtEl>
                                           <p:spTgt spid="136"/>
                                         </p:tgtEl>
